--- a/Slides/Testing/2. Fundamentals of Unit Testing/Fundamentals of Unit Testing.pptx
+++ b/Slides/Testing/2. Fundamentals of Unit Testing/Fundamentals of Unit Testing.pptx
@@ -5,7 +5,7 @@
     <p:sldMasterId id="2147483648" r:id="rId1"/>
   </p:sldMasterIdLst>
   <p:notesMasterIdLst>
-    <p:notesMasterId r:id="rId14"/>
+    <p:notesMasterId r:id="rId15"/>
   </p:notesMasterIdLst>
   <p:sldIdLst>
     <p:sldId id="257" r:id="rId2"/>
@@ -20,6 +20,7 @@
     <p:sldId id="355" r:id="rId11"/>
     <p:sldId id="356" r:id="rId12"/>
     <p:sldId id="357" r:id="rId13"/>
+    <p:sldId id="358" r:id="rId14"/>
   </p:sldIdLst>
   <p:sldSz cx="12192000" cy="6858000"/>
   <p:notesSz cx="6858000" cy="9144000"/>
@@ -118,6 +119,11 @@
       </a:defRPr>
     </a:lvl9pPr>
   </p:defaultTextStyle>
+  <p:extLst>
+    <p:ext uri="{EFAFB233-063F-42B5-8137-9DF3F51BA10A}">
+      <p15:sldGuideLst xmlns:p15="http://schemas.microsoft.com/office/powerpoint/2012/main"/>
+    </p:ext>
+  </p:extLst>
 </p:presentation>
 </file>
 
@@ -27422,6 +27428,95 @@
 </p:sld>
 </file>
 
+<file path=ppt/slides/slide13.xml><?xml version="1.0" encoding="utf-8"?>
+<p:sld xmlns:a="http://schemas.openxmlformats.org/drawingml/2006/main" xmlns:r="http://schemas.openxmlformats.org/officeDocument/2006/relationships" xmlns:p="http://schemas.openxmlformats.org/presentationml/2006/main">
+  <p:cSld>
+    <p:spTree>
+      <p:nvGrpSpPr>
+        <p:cNvPr id="1" name=""/>
+        <p:cNvGrpSpPr/>
+        <p:nvPr/>
+      </p:nvGrpSpPr>
+      <p:grpSpPr>
+        <a:xfrm>
+          <a:off x="0" y="0"/>
+          <a:ext cx="0" cy="0"/>
+          <a:chOff x="0" y="0"/>
+          <a:chExt cx="0" cy="0"/>
+        </a:xfrm>
+      </p:grpSpPr>
+      <p:pic>
+        <p:nvPicPr>
+          <p:cNvPr id="7" name="Picture 6">
+            <a:extLst>
+              <a:ext uri="{FF2B5EF4-FFF2-40B4-BE49-F238E27FC236}">
+                <a16:creationId xmlns:a16="http://schemas.microsoft.com/office/drawing/2014/main" id="{131C9BC1-9FE6-AB72-C73E-3103726209C0}"/>
+              </a:ext>
+            </a:extLst>
+          </p:cNvPr>
+          <p:cNvPicPr>
+            <a:picLocks noChangeAspect="1"/>
+          </p:cNvPicPr>
+          <p:nvPr/>
+        </p:nvPicPr>
+        <p:blipFill rotWithShape="1">
+          <a:blip r:embed="rId2"/>
+          <a:srcRect r="21918"/>
+          <a:stretch/>
+        </p:blipFill>
+        <p:spPr>
+          <a:xfrm>
+            <a:off x="293125" y="2393576"/>
+            <a:ext cx="4610569" cy="2705037"/>
+          </a:xfrm>
+          <a:prstGeom prst="rect">
+            <a:avLst/>
+          </a:prstGeom>
+        </p:spPr>
+      </p:pic>
+      <p:pic>
+        <p:nvPicPr>
+          <p:cNvPr id="11" name="Picture 10">
+            <a:extLst>
+              <a:ext uri="{FF2B5EF4-FFF2-40B4-BE49-F238E27FC236}">
+                <a16:creationId xmlns:a16="http://schemas.microsoft.com/office/drawing/2014/main" id="{E4B9873B-7D16-F8B5-3B38-7A818D9F41BC}"/>
+              </a:ext>
+            </a:extLst>
+          </p:cNvPr>
+          <p:cNvPicPr>
+            <a:picLocks noChangeAspect="1"/>
+          </p:cNvPicPr>
+          <p:nvPr/>
+        </p:nvPicPr>
+        <p:blipFill>
+          <a:blip r:embed="rId3"/>
+          <a:stretch>
+            <a:fillRect/>
+          </a:stretch>
+        </p:blipFill>
+        <p:spPr>
+          <a:xfrm>
+            <a:off x="5230708" y="1756825"/>
+            <a:ext cx="6136539" cy="3817173"/>
+          </a:xfrm>
+          <a:prstGeom prst="rect">
+            <a:avLst/>
+          </a:prstGeom>
+        </p:spPr>
+      </p:pic>
+    </p:spTree>
+    <p:extLst>
+      <p:ext uri="{BB962C8B-B14F-4D97-AF65-F5344CB8AC3E}">
+        <p14:creationId xmlns:p14="http://schemas.microsoft.com/office/powerpoint/2010/main" val="1813956461"/>
+      </p:ext>
+    </p:extLst>
+  </p:cSld>
+  <p:clrMapOvr>
+    <a:masterClrMapping/>
+  </p:clrMapOvr>
+</p:sld>
+</file>
+
 <file path=ppt/slides/slide2.xml><?xml version="1.0" encoding="utf-8"?>
 <p:sld xmlns:a="http://schemas.openxmlformats.org/drawingml/2006/main" xmlns:r="http://schemas.openxmlformats.org/officeDocument/2006/relationships" xmlns:p="http://schemas.openxmlformats.org/presentationml/2006/main">
   <p:cSld>
